--- a/ppt 16-9/1127.主的钟声.pptx
+++ b/ppt 16-9/1127.主的钟声.pptx
@@ -129,7 +129,7 @@
           <p:cNvPr id="2" name="标题 1">
             <a:extLst>
               <a:ext uri="{FF2B5EF4-FFF2-40B4-BE49-F238E27FC236}">
-                <a16:creationId xmlns:a16="http://schemas.microsoft.com/office/drawing/2014/main" id="{40459508-B0CF-328D-EDF4-AA8D8251DC81}"/>
+                <a16:creationId xmlns:a16="http://schemas.microsoft.com/office/drawing/2014/main" id="{D749DBB3-37BE-EA46-D0C5-B1F584583FFF}"/>
               </a:ext>
             </a:extLst>
           </p:cNvPr>
@@ -166,7 +166,7 @@
           <p:cNvPr id="3" name="副标题 2">
             <a:extLst>
               <a:ext uri="{FF2B5EF4-FFF2-40B4-BE49-F238E27FC236}">
-                <a16:creationId xmlns:a16="http://schemas.microsoft.com/office/drawing/2014/main" id="{A6F10365-E13B-7F17-C0F2-76B02EAF34B2}"/>
+                <a16:creationId xmlns:a16="http://schemas.microsoft.com/office/drawing/2014/main" id="{DB92FCF3-02B6-59D9-2A7E-665B8830B4BC}"/>
               </a:ext>
             </a:extLst>
           </p:cNvPr>
@@ -236,7 +236,7 @@
           <p:cNvPr id="4" name="日期占位符 3">
             <a:extLst>
               <a:ext uri="{FF2B5EF4-FFF2-40B4-BE49-F238E27FC236}">
-                <a16:creationId xmlns:a16="http://schemas.microsoft.com/office/drawing/2014/main" id="{EEA56FB0-59FA-9DC2-17B4-9434BC024ED0}"/>
+                <a16:creationId xmlns:a16="http://schemas.microsoft.com/office/drawing/2014/main" id="{82BEA35E-4C3F-EE8F-8DB0-183890DC63AC}"/>
               </a:ext>
             </a:extLst>
           </p:cNvPr>
@@ -252,7 +252,7 @@
           <a:bodyPr/>
           <a:lstStyle/>
           <a:p>
-            <a:fld id="{42BBF41E-7A81-429B-A644-7361EADFBE6D}" type="datetimeFigureOut">
+            <a:fld id="{A9216A89-D941-49C7-85C1-B021449E0206}" type="datetimeFigureOut">
               <a:rPr lang="zh-CN" altLang="en-US" smtClean="0"/>
               <a:t>2024/3/10</a:t>
             </a:fld>
@@ -265,7 +265,7 @@
           <p:cNvPr id="5" name="页脚占位符 4">
             <a:extLst>
               <a:ext uri="{FF2B5EF4-FFF2-40B4-BE49-F238E27FC236}">
-                <a16:creationId xmlns:a16="http://schemas.microsoft.com/office/drawing/2014/main" id="{4CBD7D5D-FD11-0029-B79E-1662EA1D19D3}"/>
+                <a16:creationId xmlns:a16="http://schemas.microsoft.com/office/drawing/2014/main" id="{13535C42-C23E-C646-1830-B96EA334D41E}"/>
               </a:ext>
             </a:extLst>
           </p:cNvPr>
@@ -290,7 +290,7 @@
           <p:cNvPr id="6" name="灯片编号占位符 5">
             <a:extLst>
               <a:ext uri="{FF2B5EF4-FFF2-40B4-BE49-F238E27FC236}">
-                <a16:creationId xmlns:a16="http://schemas.microsoft.com/office/drawing/2014/main" id="{A47AA4B4-98A2-C1D8-8872-A6BB5BF25B9F}"/>
+                <a16:creationId xmlns:a16="http://schemas.microsoft.com/office/drawing/2014/main" id="{4180FF3C-9538-FB38-EFB2-829E2DB75D91}"/>
               </a:ext>
             </a:extLst>
           </p:cNvPr>
@@ -306,7 +306,7 @@
           <a:bodyPr/>
           <a:lstStyle/>
           <a:p>
-            <a:fld id="{63504DE2-B3E4-4EA7-8154-A3832667DCB1}" type="slidenum">
+            <a:fld id="{227D1236-4E5C-4CFB-8403-3D8CE6B397E6}" type="slidenum">
               <a:rPr lang="zh-CN" altLang="en-US" smtClean="0"/>
               <a:t>‹#›</a:t>
             </a:fld>
@@ -317,7 +317,7 @@
     </p:spTree>
     <p:extLst>
       <p:ext uri="{BB962C8B-B14F-4D97-AF65-F5344CB8AC3E}">
-        <p14:creationId xmlns:p14="http://schemas.microsoft.com/office/powerpoint/2010/main" val="390663115"/>
+        <p14:creationId xmlns:p14="http://schemas.microsoft.com/office/powerpoint/2010/main" val="2170717191"/>
       </p:ext>
     </p:extLst>
   </p:cSld>
@@ -349,7 +349,7 @@
           <p:cNvPr id="2" name="标题 1">
             <a:extLst>
               <a:ext uri="{FF2B5EF4-FFF2-40B4-BE49-F238E27FC236}">
-                <a16:creationId xmlns:a16="http://schemas.microsoft.com/office/drawing/2014/main" id="{BAFAB61D-6E42-D959-13D1-282C5B346AEB}"/>
+                <a16:creationId xmlns:a16="http://schemas.microsoft.com/office/drawing/2014/main" id="{631B0C7B-81F3-EDFC-FBBA-57D4739162F9}"/>
               </a:ext>
             </a:extLst>
           </p:cNvPr>
@@ -377,7 +377,7 @@
           <p:cNvPr id="3" name="竖排文字占位符 2">
             <a:extLst>
               <a:ext uri="{FF2B5EF4-FFF2-40B4-BE49-F238E27FC236}">
-                <a16:creationId xmlns:a16="http://schemas.microsoft.com/office/drawing/2014/main" id="{191FDAB8-FA36-74F5-1C72-A82C7FF32883}"/>
+                <a16:creationId xmlns:a16="http://schemas.microsoft.com/office/drawing/2014/main" id="{FCD47749-217C-EA26-4B6E-E6CD7E103F86}"/>
               </a:ext>
             </a:extLst>
           </p:cNvPr>
@@ -434,7 +434,7 @@
           <p:cNvPr id="4" name="日期占位符 3">
             <a:extLst>
               <a:ext uri="{FF2B5EF4-FFF2-40B4-BE49-F238E27FC236}">
-                <a16:creationId xmlns:a16="http://schemas.microsoft.com/office/drawing/2014/main" id="{749070C1-BEA3-0C83-35B9-9A2E23FDD39D}"/>
+                <a16:creationId xmlns:a16="http://schemas.microsoft.com/office/drawing/2014/main" id="{A6F02201-6739-3BD4-7345-195A95D62D3C}"/>
               </a:ext>
             </a:extLst>
           </p:cNvPr>
@@ -450,7 +450,7 @@
           <a:bodyPr/>
           <a:lstStyle/>
           <a:p>
-            <a:fld id="{42BBF41E-7A81-429B-A644-7361EADFBE6D}" type="datetimeFigureOut">
+            <a:fld id="{A9216A89-D941-49C7-85C1-B021449E0206}" type="datetimeFigureOut">
               <a:rPr lang="zh-CN" altLang="en-US" smtClean="0"/>
               <a:t>2024/3/10</a:t>
             </a:fld>
@@ -463,7 +463,7 @@
           <p:cNvPr id="5" name="页脚占位符 4">
             <a:extLst>
               <a:ext uri="{FF2B5EF4-FFF2-40B4-BE49-F238E27FC236}">
-                <a16:creationId xmlns:a16="http://schemas.microsoft.com/office/drawing/2014/main" id="{F29E7292-4327-D047-5C03-752E4FC63BBA}"/>
+                <a16:creationId xmlns:a16="http://schemas.microsoft.com/office/drawing/2014/main" id="{96489AD0-3CFD-0E63-F910-EF04741D8736}"/>
               </a:ext>
             </a:extLst>
           </p:cNvPr>
@@ -488,7 +488,7 @@
           <p:cNvPr id="6" name="灯片编号占位符 5">
             <a:extLst>
               <a:ext uri="{FF2B5EF4-FFF2-40B4-BE49-F238E27FC236}">
-                <a16:creationId xmlns:a16="http://schemas.microsoft.com/office/drawing/2014/main" id="{5B1C66A4-EDAB-DE07-D940-96AF650E7C7D}"/>
+                <a16:creationId xmlns:a16="http://schemas.microsoft.com/office/drawing/2014/main" id="{69060DEB-AD81-A79D-B522-01CC52EB7A29}"/>
               </a:ext>
             </a:extLst>
           </p:cNvPr>
@@ -504,7 +504,7 @@
           <a:bodyPr/>
           <a:lstStyle/>
           <a:p>
-            <a:fld id="{63504DE2-B3E4-4EA7-8154-A3832667DCB1}" type="slidenum">
+            <a:fld id="{227D1236-4E5C-4CFB-8403-3D8CE6B397E6}" type="slidenum">
               <a:rPr lang="zh-CN" altLang="en-US" smtClean="0"/>
               <a:t>‹#›</a:t>
             </a:fld>
@@ -515,7 +515,7 @@
     </p:spTree>
     <p:extLst>
       <p:ext uri="{BB962C8B-B14F-4D97-AF65-F5344CB8AC3E}">
-        <p14:creationId xmlns:p14="http://schemas.microsoft.com/office/powerpoint/2010/main" val="1131281214"/>
+        <p14:creationId xmlns:p14="http://schemas.microsoft.com/office/powerpoint/2010/main" val="3062862198"/>
       </p:ext>
     </p:extLst>
   </p:cSld>
@@ -547,7 +547,7 @@
           <p:cNvPr id="2" name="竖排标题 1">
             <a:extLst>
               <a:ext uri="{FF2B5EF4-FFF2-40B4-BE49-F238E27FC236}">
-                <a16:creationId xmlns:a16="http://schemas.microsoft.com/office/drawing/2014/main" id="{E1F1A8C4-66B3-9FAA-8EDB-4E409D3C9D16}"/>
+                <a16:creationId xmlns:a16="http://schemas.microsoft.com/office/drawing/2014/main" id="{AD38302B-6143-A13E-4BA9-5B65EC18F0D3}"/>
               </a:ext>
             </a:extLst>
           </p:cNvPr>
@@ -580,7 +580,7 @@
           <p:cNvPr id="3" name="竖排文字占位符 2">
             <a:extLst>
               <a:ext uri="{FF2B5EF4-FFF2-40B4-BE49-F238E27FC236}">
-                <a16:creationId xmlns:a16="http://schemas.microsoft.com/office/drawing/2014/main" id="{231FB061-81DE-11E5-1D0C-34116C72E763}"/>
+                <a16:creationId xmlns:a16="http://schemas.microsoft.com/office/drawing/2014/main" id="{D96553D3-F82D-1D5F-1F03-9612957DDBC8}"/>
               </a:ext>
             </a:extLst>
           </p:cNvPr>
@@ -642,7 +642,7 @@
           <p:cNvPr id="4" name="日期占位符 3">
             <a:extLst>
               <a:ext uri="{FF2B5EF4-FFF2-40B4-BE49-F238E27FC236}">
-                <a16:creationId xmlns:a16="http://schemas.microsoft.com/office/drawing/2014/main" id="{9A8A57C3-4718-D9E7-F0AB-AFC945F086DE}"/>
+                <a16:creationId xmlns:a16="http://schemas.microsoft.com/office/drawing/2014/main" id="{8088A79B-278B-98BF-746A-187B521D458D}"/>
               </a:ext>
             </a:extLst>
           </p:cNvPr>
@@ -658,7 +658,7 @@
           <a:bodyPr/>
           <a:lstStyle/>
           <a:p>
-            <a:fld id="{42BBF41E-7A81-429B-A644-7361EADFBE6D}" type="datetimeFigureOut">
+            <a:fld id="{A9216A89-D941-49C7-85C1-B021449E0206}" type="datetimeFigureOut">
               <a:rPr lang="zh-CN" altLang="en-US" smtClean="0"/>
               <a:t>2024/3/10</a:t>
             </a:fld>
@@ -671,7 +671,7 @@
           <p:cNvPr id="5" name="页脚占位符 4">
             <a:extLst>
               <a:ext uri="{FF2B5EF4-FFF2-40B4-BE49-F238E27FC236}">
-                <a16:creationId xmlns:a16="http://schemas.microsoft.com/office/drawing/2014/main" id="{6D05B550-7FAD-E96C-C20F-9311788AF26E}"/>
+                <a16:creationId xmlns:a16="http://schemas.microsoft.com/office/drawing/2014/main" id="{C77C1F9B-AD2A-1F3F-BC55-F797F1230433}"/>
               </a:ext>
             </a:extLst>
           </p:cNvPr>
@@ -696,7 +696,7 @@
           <p:cNvPr id="6" name="灯片编号占位符 5">
             <a:extLst>
               <a:ext uri="{FF2B5EF4-FFF2-40B4-BE49-F238E27FC236}">
-                <a16:creationId xmlns:a16="http://schemas.microsoft.com/office/drawing/2014/main" id="{0A1DE246-C886-4077-6452-81EE06FCFA54}"/>
+                <a16:creationId xmlns:a16="http://schemas.microsoft.com/office/drawing/2014/main" id="{0E9BFAC3-1653-EAE1-1C85-689239F198BE}"/>
               </a:ext>
             </a:extLst>
           </p:cNvPr>
@@ -712,7 +712,7 @@
           <a:bodyPr/>
           <a:lstStyle/>
           <a:p>
-            <a:fld id="{63504DE2-B3E4-4EA7-8154-A3832667DCB1}" type="slidenum">
+            <a:fld id="{227D1236-4E5C-4CFB-8403-3D8CE6B397E6}" type="slidenum">
               <a:rPr lang="zh-CN" altLang="en-US" smtClean="0"/>
               <a:t>‹#›</a:t>
             </a:fld>
@@ -723,7 +723,7 @@
     </p:spTree>
     <p:extLst>
       <p:ext uri="{BB962C8B-B14F-4D97-AF65-F5344CB8AC3E}">
-        <p14:creationId xmlns:p14="http://schemas.microsoft.com/office/powerpoint/2010/main" val="1278134048"/>
+        <p14:creationId xmlns:p14="http://schemas.microsoft.com/office/powerpoint/2010/main" val="155206709"/>
       </p:ext>
     </p:extLst>
   </p:cSld>
@@ -755,7 +755,7 @@
           <p:cNvPr id="2" name="标题 1">
             <a:extLst>
               <a:ext uri="{FF2B5EF4-FFF2-40B4-BE49-F238E27FC236}">
-                <a16:creationId xmlns:a16="http://schemas.microsoft.com/office/drawing/2014/main" id="{628F610F-92D2-A7B8-6F24-11E9D75CE272}"/>
+                <a16:creationId xmlns:a16="http://schemas.microsoft.com/office/drawing/2014/main" id="{407996E2-23B6-91B5-85B4-7879EDB2622A}"/>
               </a:ext>
             </a:extLst>
           </p:cNvPr>
@@ -783,7 +783,7 @@
           <p:cNvPr id="3" name="内容占位符 2">
             <a:extLst>
               <a:ext uri="{FF2B5EF4-FFF2-40B4-BE49-F238E27FC236}">
-                <a16:creationId xmlns:a16="http://schemas.microsoft.com/office/drawing/2014/main" id="{494E5FC2-3DB5-3AC7-E1D5-0816D7039F6E}"/>
+                <a16:creationId xmlns:a16="http://schemas.microsoft.com/office/drawing/2014/main" id="{1BC7D02E-2E71-A05A-DD24-946BE0DA9E3D}"/>
               </a:ext>
             </a:extLst>
           </p:cNvPr>
@@ -840,7 +840,7 @@
           <p:cNvPr id="4" name="日期占位符 3">
             <a:extLst>
               <a:ext uri="{FF2B5EF4-FFF2-40B4-BE49-F238E27FC236}">
-                <a16:creationId xmlns:a16="http://schemas.microsoft.com/office/drawing/2014/main" id="{F048FABE-F890-5EFF-7BEF-08DE79597287}"/>
+                <a16:creationId xmlns:a16="http://schemas.microsoft.com/office/drawing/2014/main" id="{5EE720FB-3348-3F21-82DF-DBC9692E4472}"/>
               </a:ext>
             </a:extLst>
           </p:cNvPr>
@@ -856,7 +856,7 @@
           <a:bodyPr/>
           <a:lstStyle/>
           <a:p>
-            <a:fld id="{42BBF41E-7A81-429B-A644-7361EADFBE6D}" type="datetimeFigureOut">
+            <a:fld id="{A9216A89-D941-49C7-85C1-B021449E0206}" type="datetimeFigureOut">
               <a:rPr lang="zh-CN" altLang="en-US" smtClean="0"/>
               <a:t>2024/3/10</a:t>
             </a:fld>
@@ -869,7 +869,7 @@
           <p:cNvPr id="5" name="页脚占位符 4">
             <a:extLst>
               <a:ext uri="{FF2B5EF4-FFF2-40B4-BE49-F238E27FC236}">
-                <a16:creationId xmlns:a16="http://schemas.microsoft.com/office/drawing/2014/main" id="{E08FD999-6D89-70D0-2371-84A168A99794}"/>
+                <a16:creationId xmlns:a16="http://schemas.microsoft.com/office/drawing/2014/main" id="{76635851-28AD-9160-FEAF-FC9B797C8B07}"/>
               </a:ext>
             </a:extLst>
           </p:cNvPr>
@@ -894,7 +894,7 @@
           <p:cNvPr id="6" name="灯片编号占位符 5">
             <a:extLst>
               <a:ext uri="{FF2B5EF4-FFF2-40B4-BE49-F238E27FC236}">
-                <a16:creationId xmlns:a16="http://schemas.microsoft.com/office/drawing/2014/main" id="{C3F95A8A-A9E9-A7C4-49B5-29946F1CF913}"/>
+                <a16:creationId xmlns:a16="http://schemas.microsoft.com/office/drawing/2014/main" id="{210BE19B-3DF7-45A5-C974-4C79F7FD5CC4}"/>
               </a:ext>
             </a:extLst>
           </p:cNvPr>
@@ -910,7 +910,7 @@
           <a:bodyPr/>
           <a:lstStyle/>
           <a:p>
-            <a:fld id="{63504DE2-B3E4-4EA7-8154-A3832667DCB1}" type="slidenum">
+            <a:fld id="{227D1236-4E5C-4CFB-8403-3D8CE6B397E6}" type="slidenum">
               <a:rPr lang="zh-CN" altLang="en-US" smtClean="0"/>
               <a:t>‹#›</a:t>
             </a:fld>
@@ -921,7 +921,7 @@
     </p:spTree>
     <p:extLst>
       <p:ext uri="{BB962C8B-B14F-4D97-AF65-F5344CB8AC3E}">
-        <p14:creationId xmlns:p14="http://schemas.microsoft.com/office/powerpoint/2010/main" val="2891335211"/>
+        <p14:creationId xmlns:p14="http://schemas.microsoft.com/office/powerpoint/2010/main" val="4147622961"/>
       </p:ext>
     </p:extLst>
   </p:cSld>
@@ -953,7 +953,7 @@
           <p:cNvPr id="2" name="标题 1">
             <a:extLst>
               <a:ext uri="{FF2B5EF4-FFF2-40B4-BE49-F238E27FC236}">
-                <a16:creationId xmlns:a16="http://schemas.microsoft.com/office/drawing/2014/main" id="{A2B3CF64-D9AD-6D05-E7A0-367E3BBBB8AA}"/>
+                <a16:creationId xmlns:a16="http://schemas.microsoft.com/office/drawing/2014/main" id="{DD9DF776-356E-675A-9816-0284A89CA371}"/>
               </a:ext>
             </a:extLst>
           </p:cNvPr>
@@ -990,7 +990,7 @@
           <p:cNvPr id="3" name="文本占位符 2">
             <a:extLst>
               <a:ext uri="{FF2B5EF4-FFF2-40B4-BE49-F238E27FC236}">
-                <a16:creationId xmlns:a16="http://schemas.microsoft.com/office/drawing/2014/main" id="{D328EA08-CCD1-2F3E-AF1F-61C1424B8745}"/>
+                <a16:creationId xmlns:a16="http://schemas.microsoft.com/office/drawing/2014/main" id="{5A3C55C5-0981-A15C-57A6-FB415C6D41B7}"/>
               </a:ext>
             </a:extLst>
           </p:cNvPr>
@@ -1115,7 +1115,7 @@
           <p:cNvPr id="4" name="日期占位符 3">
             <a:extLst>
               <a:ext uri="{FF2B5EF4-FFF2-40B4-BE49-F238E27FC236}">
-                <a16:creationId xmlns:a16="http://schemas.microsoft.com/office/drawing/2014/main" id="{0DD0E874-4BE1-961F-CAB3-3626C3B5A0E1}"/>
+                <a16:creationId xmlns:a16="http://schemas.microsoft.com/office/drawing/2014/main" id="{3EA73F29-D41B-E4DC-E5B7-D00A54E39E14}"/>
               </a:ext>
             </a:extLst>
           </p:cNvPr>
@@ -1131,7 +1131,7 @@
           <a:bodyPr/>
           <a:lstStyle/>
           <a:p>
-            <a:fld id="{42BBF41E-7A81-429B-A644-7361EADFBE6D}" type="datetimeFigureOut">
+            <a:fld id="{A9216A89-D941-49C7-85C1-B021449E0206}" type="datetimeFigureOut">
               <a:rPr lang="zh-CN" altLang="en-US" smtClean="0"/>
               <a:t>2024/3/10</a:t>
             </a:fld>
@@ -1144,7 +1144,7 @@
           <p:cNvPr id="5" name="页脚占位符 4">
             <a:extLst>
               <a:ext uri="{FF2B5EF4-FFF2-40B4-BE49-F238E27FC236}">
-                <a16:creationId xmlns:a16="http://schemas.microsoft.com/office/drawing/2014/main" id="{E8D5E71C-730F-A5B9-56FC-73AC7EA64D7D}"/>
+                <a16:creationId xmlns:a16="http://schemas.microsoft.com/office/drawing/2014/main" id="{D400227D-46A3-B888-2F19-7A6D63744CEB}"/>
               </a:ext>
             </a:extLst>
           </p:cNvPr>
@@ -1169,7 +1169,7 @@
           <p:cNvPr id="6" name="灯片编号占位符 5">
             <a:extLst>
               <a:ext uri="{FF2B5EF4-FFF2-40B4-BE49-F238E27FC236}">
-                <a16:creationId xmlns:a16="http://schemas.microsoft.com/office/drawing/2014/main" id="{98395C79-DFFC-7D9B-C4D7-4E5562A98DC4}"/>
+                <a16:creationId xmlns:a16="http://schemas.microsoft.com/office/drawing/2014/main" id="{9212BB11-EF6C-7C61-A839-75B48F60E5D0}"/>
               </a:ext>
             </a:extLst>
           </p:cNvPr>
@@ -1185,7 +1185,7 @@
           <a:bodyPr/>
           <a:lstStyle/>
           <a:p>
-            <a:fld id="{63504DE2-B3E4-4EA7-8154-A3832667DCB1}" type="slidenum">
+            <a:fld id="{227D1236-4E5C-4CFB-8403-3D8CE6B397E6}" type="slidenum">
               <a:rPr lang="zh-CN" altLang="en-US" smtClean="0"/>
               <a:t>‹#›</a:t>
             </a:fld>
@@ -1196,7 +1196,7 @@
     </p:spTree>
     <p:extLst>
       <p:ext uri="{BB962C8B-B14F-4D97-AF65-F5344CB8AC3E}">
-        <p14:creationId xmlns:p14="http://schemas.microsoft.com/office/powerpoint/2010/main" val="1220719606"/>
+        <p14:creationId xmlns:p14="http://schemas.microsoft.com/office/powerpoint/2010/main" val="3251709924"/>
       </p:ext>
     </p:extLst>
   </p:cSld>
@@ -1228,7 +1228,7 @@
           <p:cNvPr id="2" name="标题 1">
             <a:extLst>
               <a:ext uri="{FF2B5EF4-FFF2-40B4-BE49-F238E27FC236}">
-                <a16:creationId xmlns:a16="http://schemas.microsoft.com/office/drawing/2014/main" id="{56EA28C8-1586-F53C-D34E-1915087CC605}"/>
+                <a16:creationId xmlns:a16="http://schemas.microsoft.com/office/drawing/2014/main" id="{902C1D92-50FE-10E3-4310-9695216668F3}"/>
               </a:ext>
             </a:extLst>
           </p:cNvPr>
@@ -1256,7 +1256,7 @@
           <p:cNvPr id="3" name="内容占位符 2">
             <a:extLst>
               <a:ext uri="{FF2B5EF4-FFF2-40B4-BE49-F238E27FC236}">
-                <a16:creationId xmlns:a16="http://schemas.microsoft.com/office/drawing/2014/main" id="{4F5C10C9-3029-7860-5226-45D110D8A55A}"/>
+                <a16:creationId xmlns:a16="http://schemas.microsoft.com/office/drawing/2014/main" id="{4178161C-8C05-5EF2-8D9E-00413B977FD5}"/>
               </a:ext>
             </a:extLst>
           </p:cNvPr>
@@ -1318,7 +1318,7 @@
           <p:cNvPr id="4" name="内容占位符 3">
             <a:extLst>
               <a:ext uri="{FF2B5EF4-FFF2-40B4-BE49-F238E27FC236}">
-                <a16:creationId xmlns:a16="http://schemas.microsoft.com/office/drawing/2014/main" id="{06B5B380-06DE-DC07-13EB-D61668AF3C27}"/>
+                <a16:creationId xmlns:a16="http://schemas.microsoft.com/office/drawing/2014/main" id="{41C59214-38CD-9A64-1019-BA74AB61A0B6}"/>
               </a:ext>
             </a:extLst>
           </p:cNvPr>
@@ -1380,7 +1380,7 @@
           <p:cNvPr id="5" name="日期占位符 4">
             <a:extLst>
               <a:ext uri="{FF2B5EF4-FFF2-40B4-BE49-F238E27FC236}">
-                <a16:creationId xmlns:a16="http://schemas.microsoft.com/office/drawing/2014/main" id="{ECFAD0F3-1E01-F5B4-1BC5-E094C0E7F22B}"/>
+                <a16:creationId xmlns:a16="http://schemas.microsoft.com/office/drawing/2014/main" id="{6B567802-4C0E-2C76-A0A0-84666297C918}"/>
               </a:ext>
             </a:extLst>
           </p:cNvPr>
@@ -1396,7 +1396,7 @@
           <a:bodyPr/>
           <a:lstStyle/>
           <a:p>
-            <a:fld id="{42BBF41E-7A81-429B-A644-7361EADFBE6D}" type="datetimeFigureOut">
+            <a:fld id="{A9216A89-D941-49C7-85C1-B021449E0206}" type="datetimeFigureOut">
               <a:rPr lang="zh-CN" altLang="en-US" smtClean="0"/>
               <a:t>2024/3/10</a:t>
             </a:fld>
@@ -1409,7 +1409,7 @@
           <p:cNvPr id="6" name="页脚占位符 5">
             <a:extLst>
               <a:ext uri="{FF2B5EF4-FFF2-40B4-BE49-F238E27FC236}">
-                <a16:creationId xmlns:a16="http://schemas.microsoft.com/office/drawing/2014/main" id="{03096E2F-36B0-611B-105C-8A310FCA666A}"/>
+                <a16:creationId xmlns:a16="http://schemas.microsoft.com/office/drawing/2014/main" id="{0F1A4674-A948-FFCB-8882-27DBDE0950C2}"/>
               </a:ext>
             </a:extLst>
           </p:cNvPr>
@@ -1434,7 +1434,7 @@
           <p:cNvPr id="7" name="灯片编号占位符 6">
             <a:extLst>
               <a:ext uri="{FF2B5EF4-FFF2-40B4-BE49-F238E27FC236}">
-                <a16:creationId xmlns:a16="http://schemas.microsoft.com/office/drawing/2014/main" id="{15DD9859-41A5-6035-A892-C50814B2A204}"/>
+                <a16:creationId xmlns:a16="http://schemas.microsoft.com/office/drawing/2014/main" id="{767D5FA3-A4C1-6AD1-D83A-2D1C3278A221}"/>
               </a:ext>
             </a:extLst>
           </p:cNvPr>
@@ -1450,7 +1450,7 @@
           <a:bodyPr/>
           <a:lstStyle/>
           <a:p>
-            <a:fld id="{63504DE2-B3E4-4EA7-8154-A3832667DCB1}" type="slidenum">
+            <a:fld id="{227D1236-4E5C-4CFB-8403-3D8CE6B397E6}" type="slidenum">
               <a:rPr lang="zh-CN" altLang="en-US" smtClean="0"/>
               <a:t>‹#›</a:t>
             </a:fld>
@@ -1461,7 +1461,7 @@
     </p:spTree>
     <p:extLst>
       <p:ext uri="{BB962C8B-B14F-4D97-AF65-F5344CB8AC3E}">
-        <p14:creationId xmlns:p14="http://schemas.microsoft.com/office/powerpoint/2010/main" val="4067805464"/>
+        <p14:creationId xmlns:p14="http://schemas.microsoft.com/office/powerpoint/2010/main" val="2365727073"/>
       </p:ext>
     </p:extLst>
   </p:cSld>
@@ -1493,7 +1493,7 @@
           <p:cNvPr id="2" name="标题 1">
             <a:extLst>
               <a:ext uri="{FF2B5EF4-FFF2-40B4-BE49-F238E27FC236}">
-                <a16:creationId xmlns:a16="http://schemas.microsoft.com/office/drawing/2014/main" id="{D0AFCC30-2A64-AC03-BB9F-3528BF718763}"/>
+                <a16:creationId xmlns:a16="http://schemas.microsoft.com/office/drawing/2014/main" id="{E9C30BE4-DCA2-C58F-8C75-7DCFAA6184B3}"/>
               </a:ext>
             </a:extLst>
           </p:cNvPr>
@@ -1526,7 +1526,7 @@
           <p:cNvPr id="3" name="文本占位符 2">
             <a:extLst>
               <a:ext uri="{FF2B5EF4-FFF2-40B4-BE49-F238E27FC236}">
-                <a16:creationId xmlns:a16="http://schemas.microsoft.com/office/drawing/2014/main" id="{3B14D258-8CDD-EA41-3D35-991ACBB998C1}"/>
+                <a16:creationId xmlns:a16="http://schemas.microsoft.com/office/drawing/2014/main" id="{DB00C4BA-DE58-8C74-60AF-4979ECDC08A2}"/>
               </a:ext>
             </a:extLst>
           </p:cNvPr>
@@ -1597,7 +1597,7 @@
           <p:cNvPr id="4" name="内容占位符 3">
             <a:extLst>
               <a:ext uri="{FF2B5EF4-FFF2-40B4-BE49-F238E27FC236}">
-                <a16:creationId xmlns:a16="http://schemas.microsoft.com/office/drawing/2014/main" id="{172010CC-1EF3-E48C-D62E-1B00E43E2025}"/>
+                <a16:creationId xmlns:a16="http://schemas.microsoft.com/office/drawing/2014/main" id="{44A3F36C-DD40-B4F3-5EAC-D1F27AA16798}"/>
               </a:ext>
             </a:extLst>
           </p:cNvPr>
@@ -1659,7 +1659,7 @@
           <p:cNvPr id="5" name="文本占位符 4">
             <a:extLst>
               <a:ext uri="{FF2B5EF4-FFF2-40B4-BE49-F238E27FC236}">
-                <a16:creationId xmlns:a16="http://schemas.microsoft.com/office/drawing/2014/main" id="{571F482D-B0CA-C30A-59E2-192540ED3DAB}"/>
+                <a16:creationId xmlns:a16="http://schemas.microsoft.com/office/drawing/2014/main" id="{FE907E2E-247B-F3D7-0B82-FF037ABAE7FC}"/>
               </a:ext>
             </a:extLst>
           </p:cNvPr>
@@ -1730,7 +1730,7 @@
           <p:cNvPr id="6" name="内容占位符 5">
             <a:extLst>
               <a:ext uri="{FF2B5EF4-FFF2-40B4-BE49-F238E27FC236}">
-                <a16:creationId xmlns:a16="http://schemas.microsoft.com/office/drawing/2014/main" id="{FED969C8-A8A9-71EE-D663-8A8AC73F5975}"/>
+                <a16:creationId xmlns:a16="http://schemas.microsoft.com/office/drawing/2014/main" id="{B755B79A-7705-634C-C346-7391AAA25266}"/>
               </a:ext>
             </a:extLst>
           </p:cNvPr>
@@ -1792,7 +1792,7 @@
           <p:cNvPr id="7" name="日期占位符 6">
             <a:extLst>
               <a:ext uri="{FF2B5EF4-FFF2-40B4-BE49-F238E27FC236}">
-                <a16:creationId xmlns:a16="http://schemas.microsoft.com/office/drawing/2014/main" id="{133F1191-4553-B9A4-B9FE-62C2E8F85B9B}"/>
+                <a16:creationId xmlns:a16="http://schemas.microsoft.com/office/drawing/2014/main" id="{4610D8A8-966A-8D5F-383E-CAF1C5010F79}"/>
               </a:ext>
             </a:extLst>
           </p:cNvPr>
@@ -1808,7 +1808,7 @@
           <a:bodyPr/>
           <a:lstStyle/>
           <a:p>
-            <a:fld id="{42BBF41E-7A81-429B-A644-7361EADFBE6D}" type="datetimeFigureOut">
+            <a:fld id="{A9216A89-D941-49C7-85C1-B021449E0206}" type="datetimeFigureOut">
               <a:rPr lang="zh-CN" altLang="en-US" smtClean="0"/>
               <a:t>2024/3/10</a:t>
             </a:fld>
@@ -1821,7 +1821,7 @@
           <p:cNvPr id="8" name="页脚占位符 7">
             <a:extLst>
               <a:ext uri="{FF2B5EF4-FFF2-40B4-BE49-F238E27FC236}">
-                <a16:creationId xmlns:a16="http://schemas.microsoft.com/office/drawing/2014/main" id="{47B7F117-175D-5726-275C-2934D2F56EDE}"/>
+                <a16:creationId xmlns:a16="http://schemas.microsoft.com/office/drawing/2014/main" id="{48EFE1A3-EDE8-261D-19AB-BA65C6C57699}"/>
               </a:ext>
             </a:extLst>
           </p:cNvPr>
@@ -1846,7 +1846,7 @@
           <p:cNvPr id="9" name="灯片编号占位符 8">
             <a:extLst>
               <a:ext uri="{FF2B5EF4-FFF2-40B4-BE49-F238E27FC236}">
-                <a16:creationId xmlns:a16="http://schemas.microsoft.com/office/drawing/2014/main" id="{632C53DA-37AB-2137-B784-8392F1241C8D}"/>
+                <a16:creationId xmlns:a16="http://schemas.microsoft.com/office/drawing/2014/main" id="{8C3FF091-57B6-F433-63ED-84BFA706A335}"/>
               </a:ext>
             </a:extLst>
           </p:cNvPr>
@@ -1862,7 +1862,7 @@
           <a:bodyPr/>
           <a:lstStyle/>
           <a:p>
-            <a:fld id="{63504DE2-B3E4-4EA7-8154-A3832667DCB1}" type="slidenum">
+            <a:fld id="{227D1236-4E5C-4CFB-8403-3D8CE6B397E6}" type="slidenum">
               <a:rPr lang="zh-CN" altLang="en-US" smtClean="0"/>
               <a:t>‹#›</a:t>
             </a:fld>
@@ -1873,7 +1873,7 @@
     </p:spTree>
     <p:extLst>
       <p:ext uri="{BB962C8B-B14F-4D97-AF65-F5344CB8AC3E}">
-        <p14:creationId xmlns:p14="http://schemas.microsoft.com/office/powerpoint/2010/main" val="1224399788"/>
+        <p14:creationId xmlns:p14="http://schemas.microsoft.com/office/powerpoint/2010/main" val="1311332340"/>
       </p:ext>
     </p:extLst>
   </p:cSld>
@@ -1905,7 +1905,7 @@
           <p:cNvPr id="2" name="标题 1">
             <a:extLst>
               <a:ext uri="{FF2B5EF4-FFF2-40B4-BE49-F238E27FC236}">
-                <a16:creationId xmlns:a16="http://schemas.microsoft.com/office/drawing/2014/main" id="{AA388783-1694-952E-913F-D893D3F5FA72}"/>
+                <a16:creationId xmlns:a16="http://schemas.microsoft.com/office/drawing/2014/main" id="{BC4835EC-E6D7-E6CB-ECC7-8A6ADAEEE35B}"/>
               </a:ext>
             </a:extLst>
           </p:cNvPr>
@@ -1933,7 +1933,7 @@
           <p:cNvPr id="3" name="日期占位符 2">
             <a:extLst>
               <a:ext uri="{FF2B5EF4-FFF2-40B4-BE49-F238E27FC236}">
-                <a16:creationId xmlns:a16="http://schemas.microsoft.com/office/drawing/2014/main" id="{31C68566-5C78-17A4-314B-8B263673E360}"/>
+                <a16:creationId xmlns:a16="http://schemas.microsoft.com/office/drawing/2014/main" id="{0DE14761-6878-8998-482E-E79FB04EC506}"/>
               </a:ext>
             </a:extLst>
           </p:cNvPr>
@@ -1949,7 +1949,7 @@
           <a:bodyPr/>
           <a:lstStyle/>
           <a:p>
-            <a:fld id="{42BBF41E-7A81-429B-A644-7361EADFBE6D}" type="datetimeFigureOut">
+            <a:fld id="{A9216A89-D941-49C7-85C1-B021449E0206}" type="datetimeFigureOut">
               <a:rPr lang="zh-CN" altLang="en-US" smtClean="0"/>
               <a:t>2024/3/10</a:t>
             </a:fld>
@@ -1962,7 +1962,7 @@
           <p:cNvPr id="4" name="页脚占位符 3">
             <a:extLst>
               <a:ext uri="{FF2B5EF4-FFF2-40B4-BE49-F238E27FC236}">
-                <a16:creationId xmlns:a16="http://schemas.microsoft.com/office/drawing/2014/main" id="{58DC59B9-CE9F-B579-B00A-23039BEB342E}"/>
+                <a16:creationId xmlns:a16="http://schemas.microsoft.com/office/drawing/2014/main" id="{F11B416C-6192-FF8E-7F91-2083DA7C49E2}"/>
               </a:ext>
             </a:extLst>
           </p:cNvPr>
@@ -1987,7 +1987,7 @@
           <p:cNvPr id="5" name="灯片编号占位符 4">
             <a:extLst>
               <a:ext uri="{FF2B5EF4-FFF2-40B4-BE49-F238E27FC236}">
-                <a16:creationId xmlns:a16="http://schemas.microsoft.com/office/drawing/2014/main" id="{E14E4634-7267-0306-DCF4-933A3B2E30C9}"/>
+                <a16:creationId xmlns:a16="http://schemas.microsoft.com/office/drawing/2014/main" id="{DAAB5A5C-66D3-4DFA-1258-32C073913BA1}"/>
               </a:ext>
             </a:extLst>
           </p:cNvPr>
@@ -2003,7 +2003,7 @@
           <a:bodyPr/>
           <a:lstStyle/>
           <a:p>
-            <a:fld id="{63504DE2-B3E4-4EA7-8154-A3832667DCB1}" type="slidenum">
+            <a:fld id="{227D1236-4E5C-4CFB-8403-3D8CE6B397E6}" type="slidenum">
               <a:rPr lang="zh-CN" altLang="en-US" smtClean="0"/>
               <a:t>‹#›</a:t>
             </a:fld>
@@ -2014,7 +2014,7 @@
     </p:spTree>
     <p:extLst>
       <p:ext uri="{BB962C8B-B14F-4D97-AF65-F5344CB8AC3E}">
-        <p14:creationId xmlns:p14="http://schemas.microsoft.com/office/powerpoint/2010/main" val="833982798"/>
+        <p14:creationId xmlns:p14="http://schemas.microsoft.com/office/powerpoint/2010/main" val="161010625"/>
       </p:ext>
     </p:extLst>
   </p:cSld>
@@ -2046,7 +2046,7 @@
           <p:cNvPr id="2" name="日期占位符 1">
             <a:extLst>
               <a:ext uri="{FF2B5EF4-FFF2-40B4-BE49-F238E27FC236}">
-                <a16:creationId xmlns:a16="http://schemas.microsoft.com/office/drawing/2014/main" id="{B9589B4D-D156-9178-96DC-3C2AE3700B3B}"/>
+                <a16:creationId xmlns:a16="http://schemas.microsoft.com/office/drawing/2014/main" id="{02A55679-CD57-F3C0-4997-545F5FA7DD4E}"/>
               </a:ext>
             </a:extLst>
           </p:cNvPr>
@@ -2062,7 +2062,7 @@
           <a:bodyPr/>
           <a:lstStyle/>
           <a:p>
-            <a:fld id="{42BBF41E-7A81-429B-A644-7361EADFBE6D}" type="datetimeFigureOut">
+            <a:fld id="{A9216A89-D941-49C7-85C1-B021449E0206}" type="datetimeFigureOut">
               <a:rPr lang="zh-CN" altLang="en-US" smtClean="0"/>
               <a:t>2024/3/10</a:t>
             </a:fld>
@@ -2075,7 +2075,7 @@
           <p:cNvPr id="3" name="页脚占位符 2">
             <a:extLst>
               <a:ext uri="{FF2B5EF4-FFF2-40B4-BE49-F238E27FC236}">
-                <a16:creationId xmlns:a16="http://schemas.microsoft.com/office/drawing/2014/main" id="{6F4DFCA7-03C5-50CB-B73E-5E1AE77D01FD}"/>
+                <a16:creationId xmlns:a16="http://schemas.microsoft.com/office/drawing/2014/main" id="{D157A823-7625-6FAA-C6D1-F93430994E55}"/>
               </a:ext>
             </a:extLst>
           </p:cNvPr>
@@ -2100,7 +2100,7 @@
           <p:cNvPr id="4" name="灯片编号占位符 3">
             <a:extLst>
               <a:ext uri="{FF2B5EF4-FFF2-40B4-BE49-F238E27FC236}">
-                <a16:creationId xmlns:a16="http://schemas.microsoft.com/office/drawing/2014/main" id="{A8B83D27-D157-34B8-F667-4E535EC2F2E8}"/>
+                <a16:creationId xmlns:a16="http://schemas.microsoft.com/office/drawing/2014/main" id="{2D6B77D8-44F2-0FAE-BA9A-08B8F202095F}"/>
               </a:ext>
             </a:extLst>
           </p:cNvPr>
@@ -2116,7 +2116,7 @@
           <a:bodyPr/>
           <a:lstStyle/>
           <a:p>
-            <a:fld id="{63504DE2-B3E4-4EA7-8154-A3832667DCB1}" type="slidenum">
+            <a:fld id="{227D1236-4E5C-4CFB-8403-3D8CE6B397E6}" type="slidenum">
               <a:rPr lang="zh-CN" altLang="en-US" smtClean="0"/>
               <a:t>‹#›</a:t>
             </a:fld>
@@ -2127,7 +2127,7 @@
     </p:spTree>
     <p:extLst>
       <p:ext uri="{BB962C8B-B14F-4D97-AF65-F5344CB8AC3E}">
-        <p14:creationId xmlns:p14="http://schemas.microsoft.com/office/powerpoint/2010/main" val="2270238486"/>
+        <p14:creationId xmlns:p14="http://schemas.microsoft.com/office/powerpoint/2010/main" val="2398862220"/>
       </p:ext>
     </p:extLst>
   </p:cSld>
@@ -2159,7 +2159,7 @@
           <p:cNvPr id="2" name="标题 1">
             <a:extLst>
               <a:ext uri="{FF2B5EF4-FFF2-40B4-BE49-F238E27FC236}">
-                <a16:creationId xmlns:a16="http://schemas.microsoft.com/office/drawing/2014/main" id="{975AB0EE-8C1B-BA38-103B-592CB8E94C2F}"/>
+                <a16:creationId xmlns:a16="http://schemas.microsoft.com/office/drawing/2014/main" id="{ACB2F851-2A10-D9D3-0D6A-B6018E7E8DB8}"/>
               </a:ext>
             </a:extLst>
           </p:cNvPr>
@@ -2196,7 +2196,7 @@
           <p:cNvPr id="3" name="内容占位符 2">
             <a:extLst>
               <a:ext uri="{FF2B5EF4-FFF2-40B4-BE49-F238E27FC236}">
-                <a16:creationId xmlns:a16="http://schemas.microsoft.com/office/drawing/2014/main" id="{50F8685B-0603-D6B6-D66D-C86E852D5C18}"/>
+                <a16:creationId xmlns:a16="http://schemas.microsoft.com/office/drawing/2014/main" id="{28E7E516-9E45-C17F-D783-34EBEBB1A380}"/>
               </a:ext>
             </a:extLst>
           </p:cNvPr>
@@ -2286,7 +2286,7 @@
           <p:cNvPr id="4" name="文本占位符 3">
             <a:extLst>
               <a:ext uri="{FF2B5EF4-FFF2-40B4-BE49-F238E27FC236}">
-                <a16:creationId xmlns:a16="http://schemas.microsoft.com/office/drawing/2014/main" id="{E88C5832-D2E5-54DF-F180-2575FCD09B13}"/>
+                <a16:creationId xmlns:a16="http://schemas.microsoft.com/office/drawing/2014/main" id="{AEC1BF94-BF7D-0478-B9F0-DE8D307779BD}"/>
               </a:ext>
             </a:extLst>
           </p:cNvPr>
@@ -2357,7 +2357,7 @@
           <p:cNvPr id="5" name="日期占位符 4">
             <a:extLst>
               <a:ext uri="{FF2B5EF4-FFF2-40B4-BE49-F238E27FC236}">
-                <a16:creationId xmlns:a16="http://schemas.microsoft.com/office/drawing/2014/main" id="{42CBEBB8-C1F3-0328-EDFF-B7F6F9DB2A7E}"/>
+                <a16:creationId xmlns:a16="http://schemas.microsoft.com/office/drawing/2014/main" id="{1822B5DB-2C52-3F1A-91B1-8D0C6451EC4A}"/>
               </a:ext>
             </a:extLst>
           </p:cNvPr>
@@ -2373,7 +2373,7 @@
           <a:bodyPr/>
           <a:lstStyle/>
           <a:p>
-            <a:fld id="{42BBF41E-7A81-429B-A644-7361EADFBE6D}" type="datetimeFigureOut">
+            <a:fld id="{A9216A89-D941-49C7-85C1-B021449E0206}" type="datetimeFigureOut">
               <a:rPr lang="zh-CN" altLang="en-US" smtClean="0"/>
               <a:t>2024/3/10</a:t>
             </a:fld>
@@ -2386,7 +2386,7 @@
           <p:cNvPr id="6" name="页脚占位符 5">
             <a:extLst>
               <a:ext uri="{FF2B5EF4-FFF2-40B4-BE49-F238E27FC236}">
-                <a16:creationId xmlns:a16="http://schemas.microsoft.com/office/drawing/2014/main" id="{B2FAAA17-ED02-E2A7-DA66-9C9E13EA4092}"/>
+                <a16:creationId xmlns:a16="http://schemas.microsoft.com/office/drawing/2014/main" id="{826004FD-092E-1D2B-1F1D-8C46627A5F8B}"/>
               </a:ext>
             </a:extLst>
           </p:cNvPr>
@@ -2411,7 +2411,7 @@
           <p:cNvPr id="7" name="灯片编号占位符 6">
             <a:extLst>
               <a:ext uri="{FF2B5EF4-FFF2-40B4-BE49-F238E27FC236}">
-                <a16:creationId xmlns:a16="http://schemas.microsoft.com/office/drawing/2014/main" id="{B2C174D3-962B-A78A-55CD-FDCD2F0DD9BF}"/>
+                <a16:creationId xmlns:a16="http://schemas.microsoft.com/office/drawing/2014/main" id="{3F75F06D-468D-3A80-0B59-3C8FD7FB2EA4}"/>
               </a:ext>
             </a:extLst>
           </p:cNvPr>
@@ -2427,7 +2427,7 @@
           <a:bodyPr/>
           <a:lstStyle/>
           <a:p>
-            <a:fld id="{63504DE2-B3E4-4EA7-8154-A3832667DCB1}" type="slidenum">
+            <a:fld id="{227D1236-4E5C-4CFB-8403-3D8CE6B397E6}" type="slidenum">
               <a:rPr lang="zh-CN" altLang="en-US" smtClean="0"/>
               <a:t>‹#›</a:t>
             </a:fld>
@@ -2438,7 +2438,7 @@
     </p:spTree>
     <p:extLst>
       <p:ext uri="{BB962C8B-B14F-4D97-AF65-F5344CB8AC3E}">
-        <p14:creationId xmlns:p14="http://schemas.microsoft.com/office/powerpoint/2010/main" val="763315488"/>
+        <p14:creationId xmlns:p14="http://schemas.microsoft.com/office/powerpoint/2010/main" val="935498672"/>
       </p:ext>
     </p:extLst>
   </p:cSld>
@@ -2470,7 +2470,7 @@
           <p:cNvPr id="2" name="标题 1">
             <a:extLst>
               <a:ext uri="{FF2B5EF4-FFF2-40B4-BE49-F238E27FC236}">
-                <a16:creationId xmlns:a16="http://schemas.microsoft.com/office/drawing/2014/main" id="{E443AE5E-35F3-7190-9092-2FC2F20E85C9}"/>
+                <a16:creationId xmlns:a16="http://schemas.microsoft.com/office/drawing/2014/main" id="{81C7BDF2-F37D-7021-52A5-0712378D8BFA}"/>
               </a:ext>
             </a:extLst>
           </p:cNvPr>
@@ -2507,7 +2507,7 @@
           <p:cNvPr id="3" name="图片占位符 2">
             <a:extLst>
               <a:ext uri="{FF2B5EF4-FFF2-40B4-BE49-F238E27FC236}">
-                <a16:creationId xmlns:a16="http://schemas.microsoft.com/office/drawing/2014/main" id="{992738F8-EC5A-F50E-3C2F-A48AB57049D2}"/>
+                <a16:creationId xmlns:a16="http://schemas.microsoft.com/office/drawing/2014/main" id="{1F445319-B607-6937-A2AE-9A94A1C7640E}"/>
               </a:ext>
             </a:extLst>
           </p:cNvPr>
@@ -2574,7 +2574,7 @@
           <p:cNvPr id="4" name="文本占位符 3">
             <a:extLst>
               <a:ext uri="{FF2B5EF4-FFF2-40B4-BE49-F238E27FC236}">
-                <a16:creationId xmlns:a16="http://schemas.microsoft.com/office/drawing/2014/main" id="{0463A240-2571-B53F-B60A-A659C1C962A8}"/>
+                <a16:creationId xmlns:a16="http://schemas.microsoft.com/office/drawing/2014/main" id="{193AFE04-4AE1-11E5-C02A-D65CF9F6C9F9}"/>
               </a:ext>
             </a:extLst>
           </p:cNvPr>
@@ -2645,7 +2645,7 @@
           <p:cNvPr id="5" name="日期占位符 4">
             <a:extLst>
               <a:ext uri="{FF2B5EF4-FFF2-40B4-BE49-F238E27FC236}">
-                <a16:creationId xmlns:a16="http://schemas.microsoft.com/office/drawing/2014/main" id="{B79E017D-9A9B-74BF-41F7-7C93925ACCD8}"/>
+                <a16:creationId xmlns:a16="http://schemas.microsoft.com/office/drawing/2014/main" id="{B2E322F8-A559-4E6B-9563-E59AB73EFF27}"/>
               </a:ext>
             </a:extLst>
           </p:cNvPr>
@@ -2661,7 +2661,7 @@
           <a:bodyPr/>
           <a:lstStyle/>
           <a:p>
-            <a:fld id="{42BBF41E-7A81-429B-A644-7361EADFBE6D}" type="datetimeFigureOut">
+            <a:fld id="{A9216A89-D941-49C7-85C1-B021449E0206}" type="datetimeFigureOut">
               <a:rPr lang="zh-CN" altLang="en-US" smtClean="0"/>
               <a:t>2024/3/10</a:t>
             </a:fld>
@@ -2674,7 +2674,7 @@
           <p:cNvPr id="6" name="页脚占位符 5">
             <a:extLst>
               <a:ext uri="{FF2B5EF4-FFF2-40B4-BE49-F238E27FC236}">
-                <a16:creationId xmlns:a16="http://schemas.microsoft.com/office/drawing/2014/main" id="{6E578A4A-ED42-EC5D-5663-75F1F45A76C5}"/>
+                <a16:creationId xmlns:a16="http://schemas.microsoft.com/office/drawing/2014/main" id="{FBD45811-4FC9-7397-4C9E-67E425EF81FD}"/>
               </a:ext>
             </a:extLst>
           </p:cNvPr>
@@ -2699,7 +2699,7 @@
           <p:cNvPr id="7" name="灯片编号占位符 6">
             <a:extLst>
               <a:ext uri="{FF2B5EF4-FFF2-40B4-BE49-F238E27FC236}">
-                <a16:creationId xmlns:a16="http://schemas.microsoft.com/office/drawing/2014/main" id="{AB03E222-D296-702D-9BA4-0FF5FC3FDBB2}"/>
+                <a16:creationId xmlns:a16="http://schemas.microsoft.com/office/drawing/2014/main" id="{9CABD5E1-6169-74E8-0018-CF0C79CA32FE}"/>
               </a:ext>
             </a:extLst>
           </p:cNvPr>
@@ -2715,7 +2715,7 @@
           <a:bodyPr/>
           <a:lstStyle/>
           <a:p>
-            <a:fld id="{63504DE2-B3E4-4EA7-8154-A3832667DCB1}" type="slidenum">
+            <a:fld id="{227D1236-4E5C-4CFB-8403-3D8CE6B397E6}" type="slidenum">
               <a:rPr lang="zh-CN" altLang="en-US" smtClean="0"/>
               <a:t>‹#›</a:t>
             </a:fld>
@@ -2726,7 +2726,7 @@
     </p:spTree>
     <p:extLst>
       <p:ext uri="{BB962C8B-B14F-4D97-AF65-F5344CB8AC3E}">
-        <p14:creationId xmlns:p14="http://schemas.microsoft.com/office/powerpoint/2010/main" val="360331296"/>
+        <p14:creationId xmlns:p14="http://schemas.microsoft.com/office/powerpoint/2010/main" val="261106261"/>
       </p:ext>
     </p:extLst>
   </p:cSld>
@@ -2763,7 +2763,7 @@
           <p:cNvPr id="2" name="标题占位符 1">
             <a:extLst>
               <a:ext uri="{FF2B5EF4-FFF2-40B4-BE49-F238E27FC236}">
-                <a16:creationId xmlns:a16="http://schemas.microsoft.com/office/drawing/2014/main" id="{B1BD436F-2969-620D-D8E1-8CEEBAD35710}"/>
+                <a16:creationId xmlns:a16="http://schemas.microsoft.com/office/drawing/2014/main" id="{CB6C1E06-290A-021C-0E3C-EE7A8926D98A}"/>
               </a:ext>
             </a:extLst>
           </p:cNvPr>
@@ -2801,7 +2801,7 @@
           <p:cNvPr id="3" name="文本占位符 2">
             <a:extLst>
               <a:ext uri="{FF2B5EF4-FFF2-40B4-BE49-F238E27FC236}">
-                <a16:creationId xmlns:a16="http://schemas.microsoft.com/office/drawing/2014/main" id="{9E11507C-2D57-00DD-0F59-B4AF3391C11E}"/>
+                <a16:creationId xmlns:a16="http://schemas.microsoft.com/office/drawing/2014/main" id="{CB745D5B-00F9-E3CE-0521-913A7C649310}"/>
               </a:ext>
             </a:extLst>
           </p:cNvPr>
@@ -2868,7 +2868,7 @@
           <p:cNvPr id="4" name="日期占位符 3">
             <a:extLst>
               <a:ext uri="{FF2B5EF4-FFF2-40B4-BE49-F238E27FC236}">
-                <a16:creationId xmlns:a16="http://schemas.microsoft.com/office/drawing/2014/main" id="{DF76B2E9-317E-BD09-1D74-2D4391FFD6B6}"/>
+                <a16:creationId xmlns:a16="http://schemas.microsoft.com/office/drawing/2014/main" id="{9F99D359-93B3-7661-DDCE-82FA3E1B38D8}"/>
               </a:ext>
             </a:extLst>
           </p:cNvPr>
@@ -2902,7 +2902,7 @@
             </a:lvl1pPr>
           </a:lstStyle>
           <a:p>
-            <a:fld id="{42BBF41E-7A81-429B-A644-7361EADFBE6D}" type="datetimeFigureOut">
+            <a:fld id="{A9216A89-D941-49C7-85C1-B021449E0206}" type="datetimeFigureOut">
               <a:rPr lang="zh-CN" altLang="en-US" smtClean="0"/>
               <a:t>2024/3/10</a:t>
             </a:fld>
@@ -2915,7 +2915,7 @@
           <p:cNvPr id="5" name="页脚占位符 4">
             <a:extLst>
               <a:ext uri="{FF2B5EF4-FFF2-40B4-BE49-F238E27FC236}">
-                <a16:creationId xmlns:a16="http://schemas.microsoft.com/office/drawing/2014/main" id="{9AC727EA-8FAB-12AB-7B78-3728F2597ED2}"/>
+                <a16:creationId xmlns:a16="http://schemas.microsoft.com/office/drawing/2014/main" id="{AA63D7F2-7CF3-D6E2-D103-C26F9F4F9171}"/>
               </a:ext>
             </a:extLst>
           </p:cNvPr>
@@ -2958,7 +2958,7 @@
           <p:cNvPr id="6" name="灯片编号占位符 5">
             <a:extLst>
               <a:ext uri="{FF2B5EF4-FFF2-40B4-BE49-F238E27FC236}">
-                <a16:creationId xmlns:a16="http://schemas.microsoft.com/office/drawing/2014/main" id="{3CABA3E4-8291-C549-6045-B7AEC0B04E58}"/>
+                <a16:creationId xmlns:a16="http://schemas.microsoft.com/office/drawing/2014/main" id="{73E09236-B1E9-9B80-7AA7-CA2F7FB7ABF5}"/>
               </a:ext>
             </a:extLst>
           </p:cNvPr>
@@ -2992,7 +2992,7 @@
             </a:lvl1pPr>
           </a:lstStyle>
           <a:p>
-            <a:fld id="{63504DE2-B3E4-4EA7-8154-A3832667DCB1}" type="slidenum">
+            <a:fld id="{227D1236-4E5C-4CFB-8403-3D8CE6B397E6}" type="slidenum">
               <a:rPr lang="zh-CN" altLang="en-US" smtClean="0"/>
               <a:t>‹#›</a:t>
             </a:fld>
@@ -3003,7 +3003,7 @@
     </p:spTree>
     <p:extLst>
       <p:ext uri="{BB962C8B-B14F-4D97-AF65-F5344CB8AC3E}">
-        <p14:creationId xmlns:p14="http://schemas.microsoft.com/office/powerpoint/2010/main" val="2275542776"/>
+        <p14:creationId xmlns:p14="http://schemas.microsoft.com/office/powerpoint/2010/main" val="2618753753"/>
       </p:ext>
     </p:extLst>
   </p:cSld>
